--- a/Chapter 2 Definition.pptx
+++ b/Chapter 2 Definition.pptx
@@ -234,7 +234,7 @@
           <a:p>
             <a:fld id="{50476E63-7ABE-4C64-BD5A-4B2009334959}" type="datetimeFigureOut">
               <a:rPr lang="en-IN" smtClean="0"/>
-              <a:t>30-10-2023</a:t>
+              <a:t>07-12-2023</a:t>
             </a:fld>
             <a:endParaRPr lang="en-IN"/>
           </a:p>
@@ -412,7 +412,7 @@
           <a:p>
             <a:fld id="{48543A84-17BA-44F6-AD73-C8F596515F4A}" type="datetimeFigureOut">
               <a:rPr lang="en-IN" smtClean="0"/>
-              <a:t>30-10-2023</a:t>
+              <a:t>07-12-2023</a:t>
             </a:fld>
             <a:endParaRPr lang="en-IN"/>
           </a:p>
@@ -860,7 +860,7 @@
           <a:p>
             <a:fld id="{8FEC337F-F568-4FD1-898F-42940F10C3D1}" type="datetime1">
               <a:rPr lang="en-IN" smtClean="0"/>
-              <a:t>30-10-2023</a:t>
+              <a:t>07-12-2023</a:t>
             </a:fld>
             <a:endParaRPr lang="en-IN"/>
           </a:p>
@@ -1028,7 +1028,7 @@
           <a:p>
             <a:fld id="{E7913129-7C1B-4ACC-9702-7DA20DFB1FF0}" type="datetime1">
               <a:rPr lang="en-IN" smtClean="0"/>
-              <a:t>30-10-2023</a:t>
+              <a:t>07-12-2023</a:t>
             </a:fld>
             <a:endParaRPr lang="en-IN"/>
           </a:p>
@@ -1206,7 +1206,7 @@
           <a:p>
             <a:fld id="{E99F159D-5E7F-4438-A900-C910209C531D}" type="datetime1">
               <a:rPr lang="en-IN" smtClean="0"/>
-              <a:t>30-10-2023</a:t>
+              <a:t>07-12-2023</a:t>
             </a:fld>
             <a:endParaRPr lang="en-IN"/>
           </a:p>
@@ -1374,7 +1374,7 @@
           <a:p>
             <a:fld id="{84342BE3-9982-4210-857F-10EACD515271}" type="datetime1">
               <a:rPr lang="en-IN" smtClean="0"/>
-              <a:t>30-10-2023</a:t>
+              <a:t>07-12-2023</a:t>
             </a:fld>
             <a:endParaRPr lang="en-IN"/>
           </a:p>
@@ -1619,7 +1619,7 @@
           <a:p>
             <a:fld id="{9425E3EC-E34D-4935-8B50-9745656EBC9F}" type="datetime1">
               <a:rPr lang="en-IN" smtClean="0"/>
-              <a:t>30-10-2023</a:t>
+              <a:t>07-12-2023</a:t>
             </a:fld>
             <a:endParaRPr lang="en-IN"/>
           </a:p>
@@ -1904,7 +1904,7 @@
           <a:p>
             <a:fld id="{B743E717-5C6B-42E2-B268-7D12E85ACAF5}" type="datetime1">
               <a:rPr lang="en-IN" smtClean="0"/>
-              <a:t>30-10-2023</a:t>
+              <a:t>07-12-2023</a:t>
             </a:fld>
             <a:endParaRPr lang="en-IN"/>
           </a:p>
@@ -2328,7 +2328,7 @@
           <a:p>
             <a:fld id="{06D6E9DC-6560-43CB-9AD8-1B91F689E96A}" type="datetime1">
               <a:rPr lang="en-IN" smtClean="0"/>
-              <a:t>30-10-2023</a:t>
+              <a:t>07-12-2023</a:t>
             </a:fld>
             <a:endParaRPr lang="en-IN"/>
           </a:p>
@@ -2445,7 +2445,7 @@
           <a:p>
             <a:fld id="{00F3C949-60E2-4CC4-AF2F-46E024C50A82}" type="datetime1">
               <a:rPr lang="en-IN" smtClean="0"/>
-              <a:t>30-10-2023</a:t>
+              <a:t>07-12-2023</a:t>
             </a:fld>
             <a:endParaRPr lang="en-IN"/>
           </a:p>
@@ -2540,7 +2540,7 @@
           <a:p>
             <a:fld id="{98FE0449-BEE8-4518-80F1-DD63421EC067}" type="datetime1">
               <a:rPr lang="en-IN" smtClean="0"/>
-              <a:t>30-10-2023</a:t>
+              <a:t>07-12-2023</a:t>
             </a:fld>
             <a:endParaRPr lang="en-IN"/>
           </a:p>
@@ -2815,7 +2815,7 @@
           <a:p>
             <a:fld id="{E869E436-6240-4AAB-BAE5-83AF6523741E}" type="datetime1">
               <a:rPr lang="en-IN" smtClean="0"/>
-              <a:t>30-10-2023</a:t>
+              <a:t>07-12-2023</a:t>
             </a:fld>
             <a:endParaRPr lang="en-IN"/>
           </a:p>
@@ -3067,7 +3067,7 @@
           <a:p>
             <a:fld id="{580C6C82-C122-4C7D-81BD-C1590FE003B3}" type="datetime1">
               <a:rPr lang="en-IN" smtClean="0"/>
-              <a:t>30-10-2023</a:t>
+              <a:t>07-12-2023</a:t>
             </a:fld>
             <a:endParaRPr lang="en-IN"/>
           </a:p>
@@ -3278,7 +3278,7 @@
           <a:p>
             <a:fld id="{3C5ADF93-DF56-4BE2-8083-5A255B07459B}" type="datetime1">
               <a:rPr lang="en-IN" smtClean="0"/>
-              <a:t>30-10-2023</a:t>
+              <a:t>07-12-2023</a:t>
             </a:fld>
             <a:endParaRPr lang="en-IN"/>
           </a:p>
@@ -4512,7 +4512,7 @@
                 <a:ea typeface="Calibri" panose="020F0502020204030204" pitchFamily="34" charset="0"/>
                 <a:cs typeface="Times New Roman" panose="02020603050405020304" pitchFamily="18" charset="0"/>
               </a:rPr>
-              <a:t>Investors :- Equity investment , Manage investments , View Financial Activities .</a:t>
+              <a:t>Investors :- Equity investment , Manage investments , View Financial Activities.</a:t>
             </a:r>
           </a:p>
         </p:txBody>
@@ -6176,13 +6176,6 @@
               <a:rPr lang="en-US" sz="1800" dirty="0"/>
               <a:t>Effective notification integration is a critical aspect of the our neo bank, ensuring that users have a seamless and secure banking experience.</a:t>
             </a:r>
-          </a:p>
-          <a:p>
-            <a:pPr marL="285750" indent="-285750">
-              <a:buFont typeface="Wingdings" pitchFamily="2" charset="2"/>
-              <a:buChar char="§"/>
-            </a:pPr>
-            <a:endParaRPr lang="en-US" sz="1800" dirty="0"/>
           </a:p>
           <a:p>
             <a:pPr>
